--- a/Projet kit Evalbot.pptx
+++ b/Projet kit Evalbot.pptx
@@ -6563,7 +6563,7 @@
             <a:pPr algn="l"/>
             <a:r>
               <a:rPr lang="fr-FR" dirty="0" err="1"/>
-              <a:t>Bumpers</a:t>
+              <a:t>LEDs</a:t>
             </a:r>
             <a:endParaRPr lang="fr-FR" dirty="0"/>
           </a:p>
@@ -6654,14 +6654,14 @@
           <p:nvPr>
             <p:extLst>
               <p:ext uri="{D42A27DB-BD31-4B8C-83A1-F6EECF244321}">
-                <p14:modId xmlns:p14="http://schemas.microsoft.com/office/powerpoint/2010/main" val="2604533303"/>
+                <p14:modId xmlns:p14="http://schemas.microsoft.com/office/powerpoint/2010/main" val="3516164628"/>
               </p:ext>
             </p:extLst>
           </p:nvPr>
         </p:nvGraphicFramePr>
         <p:xfrm>
-          <a:off x="2954967" y="4836791"/>
-          <a:ext cx="6583506" cy="1552085"/>
+          <a:off x="2859971" y="4836791"/>
+          <a:ext cx="7462004" cy="1552085"/>
         </p:xfrm>
         <a:graphic>
           <a:graphicData uri="http://schemas.openxmlformats.org/drawingml/2006/table">
@@ -6670,14 +6670,14 @@
                 <a:tableStyleId>{7DF18680-E054-41AD-8BC1-D1AEF772440D}</a:tableStyleId>
               </a:tblPr>
               <a:tblGrid>
-                <a:gridCol w="3291753">
+                <a:gridCol w="3731002">
                   <a:extLst>
                     <a:ext uri="{9D8B030D-6E8A-4147-A177-3AD203B41FA5}">
                       <a16:colId xmlns:a16="http://schemas.microsoft.com/office/drawing/2014/main" val="3309177946"/>
                     </a:ext>
                   </a:extLst>
                 </a:gridCol>
-                <a:gridCol w="3291753">
+                <a:gridCol w="3731002">
                   <a:extLst>
                     <a:ext uri="{9D8B030D-6E8A-4147-A177-3AD203B41FA5}">
                       <a16:colId xmlns:a16="http://schemas.microsoft.com/office/drawing/2014/main" val="199344201"/>
@@ -6700,12 +6700,12 @@
                         </a:spcAft>
                       </a:pPr>
                       <a:r>
-                        <a:rPr lang="fr-FR" sz="1400">
+                        <a:rPr lang="fr-FR" sz="1400" dirty="0">
                           <a:effectLst/>
                         </a:rPr>
-                        <a:t>Valeur lue dans le registre associé</a:t>
+                        <a:t>Valeur écrite dans l’emplacement mémoire</a:t>
                       </a:r>
-                      <a:endParaRPr lang="fr-FR" sz="1400">
+                      <a:endParaRPr lang="fr-FR" sz="1400" dirty="0">
                         <a:effectLst/>
                         <a:latin typeface="Calibri" panose="020F0502020204030204" pitchFamily="34" charset="0"/>
                         <a:ea typeface="Calibri" panose="020F0502020204030204" pitchFamily="34" charset="0"/>
@@ -9266,13 +9266,13 @@
             <a:pPr algn="l"/>
             <a:r>
               <a:rPr lang="fr-FR" dirty="0"/>
-              <a:t>Lire les actions enregistrée</a:t>
-            </a:r>
-          </a:p>
-        </p:txBody>
-      </p:sp>
-      <mc:AlternateContent xmlns:mc="http://schemas.openxmlformats.org/markup-compatibility/2006">
-        <mc:Choice xmlns:a14="http://schemas.microsoft.com/office/drawing/2010/main" Requires="a14">
+              <a:t>Lire les actions enregistrées</a:t>
+            </a:r>
+          </a:p>
+        </p:txBody>
+      </p:sp>
+      <mc:AlternateContent xmlns:mc="http://schemas.openxmlformats.org/markup-compatibility/2006" xmlns:a14="http://schemas.microsoft.com/office/drawing/2010/main">
+        <mc:Choice Requires="a14">
           <p:sp>
             <p:nvSpPr>
               <p:cNvPr id="4" name="ZoneTexte 3">
@@ -9625,7 +9625,7 @@
             </p:txBody>
           </p:sp>
         </mc:Choice>
-        <mc:Fallback>
+        <mc:Fallback xmlns="">
           <p:sp>
             <p:nvSpPr>
               <p:cNvPr id="4" name="ZoneTexte 3">
